--- a/Data Science.pptx
+++ b/Data Science.pptx
@@ -10,14 +10,21 @@
     <p:sldId id="264" r:id="rId4"/>
     <p:sldId id="265" r:id="rId5"/>
     <p:sldId id="266" r:id="rId6"/>
-    <p:sldId id="267" r:id="rId7"/>
-    <p:sldId id="268" r:id="rId8"/>
-    <p:sldId id="259" r:id="rId9"/>
-    <p:sldId id="260" r:id="rId10"/>
-    <p:sldId id="261" r:id="rId11"/>
-    <p:sldId id="262" r:id="rId12"/>
-    <p:sldId id="258" r:id="rId13"/>
-    <p:sldId id="257" r:id="rId14"/>
+    <p:sldId id="276" r:id="rId7"/>
+    <p:sldId id="267" r:id="rId8"/>
+    <p:sldId id="269" r:id="rId9"/>
+    <p:sldId id="270" r:id="rId10"/>
+    <p:sldId id="271" r:id="rId11"/>
+    <p:sldId id="268" r:id="rId12"/>
+    <p:sldId id="259" r:id="rId13"/>
+    <p:sldId id="260" r:id="rId14"/>
+    <p:sldId id="261" r:id="rId15"/>
+    <p:sldId id="262" r:id="rId16"/>
+    <p:sldId id="258" r:id="rId17"/>
+    <p:sldId id="257" r:id="rId18"/>
+    <p:sldId id="272" r:id="rId19"/>
+    <p:sldId id="274" r:id="rId20"/>
+    <p:sldId id="277" r:id="rId21"/>
   </p:sldIdLst>
   <p:sldSz cx="9144000" cy="6858000" type="screen4x3"/>
   <p:notesSz cx="6858000" cy="9144000"/>
@@ -13838,11 +13845,7 @@
           <a:bodyPr/>
           <a:lstStyle/>
           <a:p>
-            <a:r>
-              <a:rPr lang="en-US" dirty="0" smtClean="0"/>
-              <a:t>DS Components</a:t>
-            </a:r>
-            <a:endParaRPr lang="en-US" dirty="0"/>
+            <a:endParaRPr lang="en-US"/>
           </a:p>
         </p:txBody>
       </p:sp>
@@ -13858,36 +13861,33 @@
         </p:nvSpPr>
         <p:spPr/>
         <p:txBody>
-          <a:bodyPr/>
+          <a:bodyPr>
+            <a:normAutofit fontScale="92500" lnSpcReduction="10000"/>
+          </a:bodyPr>
           <a:lstStyle/>
           <a:p>
             <a:r>
+              <a:rPr lang="en-US" dirty="0"/>
+              <a:t>One of the most important tasks in big data analytics is </a:t>
+            </a:r>
+            <a:r>
+              <a:rPr lang="en-US" b="1" dirty="0"/>
+              <a:t>statistical modeling</a:t>
+            </a:r>
+            <a:r>
+              <a:rPr lang="en-US" dirty="0"/>
+              <a:t>, meaning supervised and unsupervised classification or regression problems. </a:t>
+            </a:r>
+            <a:endParaRPr lang="en-US" dirty="0" smtClean="0"/>
+          </a:p>
+          <a:p>
+            <a:r>
               <a:rPr lang="en-US" dirty="0" smtClean="0"/>
-              <a:t>Statistics</a:t>
-            </a:r>
-          </a:p>
-          <a:p>
-            <a:r>
-              <a:rPr lang="en-US" dirty="0" smtClean="0"/>
-              <a:t>Visualization</a:t>
-            </a:r>
-          </a:p>
-          <a:p>
-            <a:r>
-              <a:rPr lang="en-US" dirty="0" smtClean="0"/>
-              <a:t>Domain Experience</a:t>
-            </a:r>
-          </a:p>
-          <a:p>
-            <a:r>
-              <a:rPr lang="en-US" dirty="0" smtClean="0"/>
-              <a:t>Data Engineering</a:t>
-            </a:r>
-          </a:p>
-          <a:p>
-            <a:r>
-              <a:rPr lang="en-US" dirty="0" smtClean="0"/>
-              <a:t>Computing</a:t>
+              <a:t>Once </a:t>
+            </a:r>
+            <a:r>
+              <a:rPr lang="en-US" dirty="0"/>
+              <a:t>the data is cleaned and preprocessed, available for modeling, care should be taken in evaluating different models with reasonable loss metrics and then once the model is implemented, further evaluation and results should be reported.</a:t>
             </a:r>
             <a:endParaRPr lang="en-US" dirty="0"/>
           </a:p>
@@ -13896,20 +13896,13 @@
     </p:spTree>
     <p:extLst>
       <p:ext uri="{BB962C8B-B14F-4D97-AF65-F5344CB8AC3E}">
-        <p14:creationId xmlns:p14="http://schemas.microsoft.com/office/powerpoint/2010/main" val="4233689028"/>
+        <p14:creationId xmlns:p14="http://schemas.microsoft.com/office/powerpoint/2010/main" val="3814855495"/>
       </p:ext>
     </p:extLst>
   </p:cSld>
   <p:clrMapOvr>
     <a:masterClrMapping/>
   </p:clrMapOvr>
-  <p:timing>
-    <p:tnLst>
-      <p:par>
-        <p:cTn id="1" dur="indefinite" restart="never" nodeType="tmRoot"/>
-      </p:par>
-    </p:tnLst>
-  </p:timing>
 </p:sld>
 </file>
 
@@ -13947,7 +13940,11 @@
           <a:p>
             <a:r>
               <a:rPr lang="en-US" dirty="0" smtClean="0"/>
-              <a:t>Types of DS</a:t>
+              <a:t>Apache </a:t>
+            </a:r>
+            <a:r>
+              <a:rPr lang="en-US" dirty="0" err="1" smtClean="0"/>
+              <a:t>Hadoop</a:t>
             </a:r>
             <a:endParaRPr lang="en-US" dirty="0"/>
           </a:p>
@@ -13966,25 +13963,35 @@
         <p:spPr/>
         <p:txBody>
           <a:bodyPr>
-            <a:normAutofit fontScale="92500" lnSpcReduction="10000"/>
+            <a:normAutofit fontScale="85000" lnSpcReduction="20000"/>
           </a:bodyPr>
           <a:lstStyle/>
           <a:p>
             <a:r>
               <a:rPr lang="en-US" dirty="0" smtClean="0"/>
-              <a:t>Business Analyst</a:t>
-            </a:r>
-          </a:p>
-          <a:p>
+              <a:t>software </a:t>
+            </a:r>
+            <a:r>
+              <a:rPr lang="en-US" dirty="0"/>
+              <a:t>library is a </a:t>
+            </a:r>
             <a:r>
               <a:rPr lang="en-US" dirty="0" smtClean="0"/>
-              <a:t>Developers</a:t>
+              <a:t>framework</a:t>
             </a:r>
           </a:p>
           <a:p>
             <a:r>
               <a:rPr lang="en-US" dirty="0" smtClean="0"/>
-              <a:t>Researchers</a:t>
+              <a:t>distributed </a:t>
+            </a:r>
+            <a:r>
+              <a:rPr lang="en-US" dirty="0"/>
+              <a:t>processing of large data sets across clusters of computers using simple </a:t>
+            </a:r>
+            <a:r>
+              <a:rPr lang="en-US" dirty="0" smtClean="0"/>
+              <a:t>programming models.</a:t>
             </a:r>
           </a:p>
           <a:p>
@@ -13992,40 +13999,35 @@
           </a:p>
           <a:p>
             <a:r>
-              <a:rPr lang="en-US" dirty="0" smtClean="0"/>
-              <a:t>Tools :</a:t>
-            </a:r>
-          </a:p>
-          <a:p>
-            <a:r>
-              <a:rPr lang="en-US" dirty="0" err="1" smtClean="0"/>
+              <a:rPr lang="en-US" b="1" dirty="0">
+                <a:hlinkClick r:id="rId2"/>
+              </a:rPr>
+              <a:t>Spark™</a:t>
+            </a:r>
+            <a:r>
+              <a:rPr lang="en-US" dirty="0"/>
+              <a:t>: A fast and general compute engine for </a:t>
+            </a:r>
+            <a:r>
+              <a:rPr lang="en-US" dirty="0" err="1"/>
               <a:t>Hadoop</a:t>
             </a:r>
             <a:r>
-              <a:rPr lang="en-US" dirty="0" smtClean="0"/>
-              <a:t>,</a:t>
-            </a:r>
-          </a:p>
-          <a:p>
-            <a:r>
-              <a:rPr lang="en-US" dirty="0" smtClean="0"/>
-              <a:t>R</a:t>
-            </a:r>
-          </a:p>
-          <a:p>
-            <a:r>
-              <a:rPr lang="en-US" dirty="0" smtClean="0"/>
-              <a:t>Python</a:t>
-            </a:r>
-          </a:p>
-          <a:p>
-            <a:r>
-              <a:rPr lang="en-US" dirty="0" smtClean="0"/>
-              <a:t>Statistics</a:t>
-            </a:r>
-          </a:p>
-          <a:p>
-            <a:endParaRPr lang="en-US" dirty="0" smtClean="0"/>
+              <a:rPr lang="en-US" dirty="0"/>
+              <a:t> data. Spark provides a simple and expressive programming model that supports a wide range of applications, including ETL, machine learning, stream processing, and graph computation.</a:t>
+            </a:r>
+          </a:p>
+          <a:p>
+            <a:r>
+              <a:rPr lang="en-US" b="1" dirty="0">
+                <a:hlinkClick r:id="rId3"/>
+              </a:rPr>
+              <a:t>Mahout™</a:t>
+            </a:r>
+            <a:r>
+              <a:rPr lang="en-US" dirty="0"/>
+              <a:t>: A Scalable machine learning and data mining library.</a:t>
+            </a:r>
           </a:p>
           <a:p>
             <a:endParaRPr lang="en-US" dirty="0"/>
@@ -14035,20 +14037,13 @@
     </p:spTree>
     <p:extLst>
       <p:ext uri="{BB962C8B-B14F-4D97-AF65-F5344CB8AC3E}">
-        <p14:creationId xmlns:p14="http://schemas.microsoft.com/office/powerpoint/2010/main" val="2081492701"/>
+        <p14:creationId xmlns:p14="http://schemas.microsoft.com/office/powerpoint/2010/main" val="2184629554"/>
       </p:ext>
     </p:extLst>
   </p:cSld>
   <p:clrMapOvr>
     <a:masterClrMapping/>
   </p:clrMapOvr>
-  <p:timing>
-    <p:tnLst>
-      <p:par>
-        <p:cTn id="1" dur="indefinite" restart="never" nodeType="tmRoot"/>
-      </p:par>
-    </p:tnLst>
-  </p:timing>
 </p:sld>
 </file>
 
@@ -14081,18 +14076,13 @@
         </p:nvSpPr>
         <p:spPr/>
         <p:txBody>
-          <a:bodyPr>
-            <a:normAutofit fontScale="90000"/>
-          </a:bodyPr>
+          <a:bodyPr/>
           <a:lstStyle/>
           <a:p>
             <a:r>
               <a:rPr lang="en-US" dirty="0" smtClean="0"/>
-              <a:t>Useful in</a:t>
-            </a:r>
-            <a:br>
-              <a:rPr lang="en-US" dirty="0" smtClean="0"/>
-            </a:br>
+              <a:t>Big data</a:t>
+            </a:r>
             <a:endParaRPr lang="en-US" dirty="0"/>
           </a:p>
         </p:txBody>
@@ -14114,26 +14104,42 @@
           <a:p>
             <a:r>
               <a:rPr lang="en-US" dirty="0" smtClean="0"/>
-              <a:t>Medicine Research</a:t>
+              <a:t>IBM – 3V</a:t>
             </a:r>
           </a:p>
           <a:p>
             <a:r>
               <a:rPr lang="en-US" dirty="0" smtClean="0"/>
-              <a:t>Economics</a:t>
+              <a:t>Volume ( size)</a:t>
             </a:r>
           </a:p>
           <a:p>
             <a:r>
               <a:rPr lang="en-US" dirty="0" smtClean="0"/>
-              <a:t>Business Modeling</a:t>
+              <a:t>Velocity ( speed)</a:t>
             </a:r>
           </a:p>
           <a:p>
             <a:r>
               <a:rPr lang="en-US" dirty="0" smtClean="0"/>
-              <a:t>Science</a:t>
-            </a:r>
+              <a:t>Variety ( diversity, many types )</a:t>
+            </a:r>
+          </a:p>
+          <a:p>
+            <a:r>
+              <a:rPr lang="en-US" dirty="0" smtClean="0"/>
+              <a:t>-- Veracity (</a:t>
+            </a:r>
+            <a:r>
+              <a:rPr lang="en-US" dirty="0"/>
+              <a:t>accuracy</a:t>
+            </a:r>
+            <a:r>
+              <a:rPr lang="en-US" dirty="0" smtClean="0"/>
+              <a:t>.)</a:t>
+            </a:r>
+          </a:p>
+          <a:p>
             <a:endParaRPr lang="en-US" dirty="0"/>
           </a:p>
         </p:txBody>
@@ -14141,7 +14147,7 @@
     </p:spTree>
     <p:extLst>
       <p:ext uri="{BB962C8B-B14F-4D97-AF65-F5344CB8AC3E}">
-        <p14:creationId xmlns:p14="http://schemas.microsoft.com/office/powerpoint/2010/main" val="3964584390"/>
+        <p14:creationId xmlns:p14="http://schemas.microsoft.com/office/powerpoint/2010/main" val="1584041399"/>
       </p:ext>
     </p:extLst>
   </p:cSld>
@@ -14190,6 +14196,465 @@
           <a:bodyPr/>
           <a:lstStyle/>
           <a:p>
+            <a:r>
+              <a:rPr lang="en-US" dirty="0" smtClean="0"/>
+              <a:t>Big Data Challenge</a:t>
+            </a:r>
+            <a:endParaRPr lang="en-US" dirty="0"/>
+          </a:p>
+        </p:txBody>
+      </p:sp>
+      <p:sp>
+        <p:nvSpPr>
+          <p:cNvPr id="3" name="Content Placeholder 2"/>
+          <p:cNvSpPr>
+            <a:spLocks noGrp="1"/>
+          </p:cNvSpPr>
+          <p:nvPr>
+            <p:ph idx="1"/>
+          </p:nvPr>
+        </p:nvSpPr>
+        <p:spPr/>
+        <p:txBody>
+          <a:bodyPr/>
+          <a:lstStyle/>
+          <a:p>
+            <a:r>
+              <a:rPr lang="en-US" dirty="0" smtClean="0"/>
+              <a:t>Data Acquisition</a:t>
+            </a:r>
+          </a:p>
+          <a:p>
+            <a:r>
+              <a:rPr lang="en-US" dirty="0" smtClean="0"/>
+              <a:t>High Volume</a:t>
+            </a:r>
+          </a:p>
+          <a:p>
+            <a:r>
+              <a:rPr lang="en-US" dirty="0" smtClean="0"/>
+              <a:t>High Velocity</a:t>
+            </a:r>
+          </a:p>
+          <a:p>
+            <a:r>
+              <a:rPr lang="en-US" dirty="0" smtClean="0"/>
+              <a:t>Security</a:t>
+            </a:r>
+          </a:p>
+          <a:p>
+            <a:r>
+              <a:rPr lang="en-US" dirty="0" smtClean="0"/>
+              <a:t>Analytics</a:t>
+            </a:r>
+            <a:endParaRPr lang="en-US" dirty="0"/>
+          </a:p>
+        </p:txBody>
+      </p:sp>
+    </p:spTree>
+    <p:extLst>
+      <p:ext uri="{BB962C8B-B14F-4D97-AF65-F5344CB8AC3E}">
+        <p14:creationId xmlns:p14="http://schemas.microsoft.com/office/powerpoint/2010/main" val="508388638"/>
+      </p:ext>
+    </p:extLst>
+  </p:cSld>
+  <p:clrMapOvr>
+    <a:masterClrMapping/>
+  </p:clrMapOvr>
+  <p:timing>
+    <p:tnLst>
+      <p:par>
+        <p:cTn id="1" dur="indefinite" restart="never" nodeType="tmRoot"/>
+      </p:par>
+    </p:tnLst>
+  </p:timing>
+</p:sld>
+</file>
+
+<file path=ppt/slides/slide14.xml><?xml version="1.0" encoding="utf-8"?>
+<p:sld xmlns:a="http://schemas.openxmlformats.org/drawingml/2006/main" xmlns:r="http://schemas.openxmlformats.org/officeDocument/2006/relationships" xmlns:p="http://schemas.openxmlformats.org/presentationml/2006/main">
+  <p:cSld>
+    <p:spTree>
+      <p:nvGrpSpPr>
+        <p:cNvPr id="1" name=""/>
+        <p:cNvGrpSpPr/>
+        <p:nvPr/>
+      </p:nvGrpSpPr>
+      <p:grpSpPr>
+        <a:xfrm>
+          <a:off x="0" y="0"/>
+          <a:ext cx="0" cy="0"/>
+          <a:chOff x="0" y="0"/>
+          <a:chExt cx="0" cy="0"/>
+        </a:xfrm>
+      </p:grpSpPr>
+      <p:sp>
+        <p:nvSpPr>
+          <p:cNvPr id="2" name="Title 1"/>
+          <p:cNvSpPr>
+            <a:spLocks noGrp="1"/>
+          </p:cNvSpPr>
+          <p:nvPr>
+            <p:ph type="title"/>
+          </p:nvPr>
+        </p:nvSpPr>
+        <p:spPr/>
+        <p:txBody>
+          <a:bodyPr/>
+          <a:lstStyle/>
+          <a:p>
+            <a:r>
+              <a:rPr lang="en-US" dirty="0" smtClean="0"/>
+              <a:t>DS Components</a:t>
+            </a:r>
+            <a:endParaRPr lang="en-US" dirty="0"/>
+          </a:p>
+        </p:txBody>
+      </p:sp>
+      <p:sp>
+        <p:nvSpPr>
+          <p:cNvPr id="3" name="Content Placeholder 2"/>
+          <p:cNvSpPr>
+            <a:spLocks noGrp="1"/>
+          </p:cNvSpPr>
+          <p:nvPr>
+            <p:ph idx="1"/>
+          </p:nvPr>
+        </p:nvSpPr>
+        <p:spPr/>
+        <p:txBody>
+          <a:bodyPr/>
+          <a:lstStyle/>
+          <a:p>
+            <a:r>
+              <a:rPr lang="en-US" dirty="0" smtClean="0"/>
+              <a:t>Statistics</a:t>
+            </a:r>
+          </a:p>
+          <a:p>
+            <a:r>
+              <a:rPr lang="en-US" dirty="0" smtClean="0"/>
+              <a:t>Visualization</a:t>
+            </a:r>
+          </a:p>
+          <a:p>
+            <a:r>
+              <a:rPr lang="en-US" dirty="0" smtClean="0"/>
+              <a:t>Domain Experience</a:t>
+            </a:r>
+          </a:p>
+          <a:p>
+            <a:r>
+              <a:rPr lang="en-US" dirty="0" smtClean="0"/>
+              <a:t>Data Engineering</a:t>
+            </a:r>
+          </a:p>
+          <a:p>
+            <a:r>
+              <a:rPr lang="en-US" dirty="0" smtClean="0"/>
+              <a:t>Computing</a:t>
+            </a:r>
+            <a:endParaRPr lang="en-US" dirty="0"/>
+          </a:p>
+        </p:txBody>
+      </p:sp>
+    </p:spTree>
+    <p:extLst>
+      <p:ext uri="{BB962C8B-B14F-4D97-AF65-F5344CB8AC3E}">
+        <p14:creationId xmlns:p14="http://schemas.microsoft.com/office/powerpoint/2010/main" val="4233689028"/>
+      </p:ext>
+    </p:extLst>
+  </p:cSld>
+  <p:clrMapOvr>
+    <a:masterClrMapping/>
+  </p:clrMapOvr>
+  <p:timing>
+    <p:tnLst>
+      <p:par>
+        <p:cTn id="1" dur="indefinite" restart="never" nodeType="tmRoot"/>
+      </p:par>
+    </p:tnLst>
+  </p:timing>
+</p:sld>
+</file>
+
+<file path=ppt/slides/slide15.xml><?xml version="1.0" encoding="utf-8"?>
+<p:sld xmlns:a="http://schemas.openxmlformats.org/drawingml/2006/main" xmlns:r="http://schemas.openxmlformats.org/officeDocument/2006/relationships" xmlns:p="http://schemas.openxmlformats.org/presentationml/2006/main">
+  <p:cSld>
+    <p:spTree>
+      <p:nvGrpSpPr>
+        <p:cNvPr id="1" name=""/>
+        <p:cNvGrpSpPr/>
+        <p:nvPr/>
+      </p:nvGrpSpPr>
+      <p:grpSpPr>
+        <a:xfrm>
+          <a:off x="0" y="0"/>
+          <a:ext cx="0" cy="0"/>
+          <a:chOff x="0" y="0"/>
+          <a:chExt cx="0" cy="0"/>
+        </a:xfrm>
+      </p:grpSpPr>
+      <p:sp>
+        <p:nvSpPr>
+          <p:cNvPr id="2" name="Title 1"/>
+          <p:cNvSpPr>
+            <a:spLocks noGrp="1"/>
+          </p:cNvSpPr>
+          <p:nvPr>
+            <p:ph type="title"/>
+          </p:nvPr>
+        </p:nvSpPr>
+        <p:spPr/>
+        <p:txBody>
+          <a:bodyPr/>
+          <a:lstStyle/>
+          <a:p>
+            <a:r>
+              <a:rPr lang="en-US" dirty="0" smtClean="0"/>
+              <a:t>Types of DS</a:t>
+            </a:r>
+            <a:endParaRPr lang="en-US" dirty="0"/>
+          </a:p>
+        </p:txBody>
+      </p:sp>
+      <p:sp>
+        <p:nvSpPr>
+          <p:cNvPr id="3" name="Content Placeholder 2"/>
+          <p:cNvSpPr>
+            <a:spLocks noGrp="1"/>
+          </p:cNvSpPr>
+          <p:nvPr>
+            <p:ph idx="1"/>
+          </p:nvPr>
+        </p:nvSpPr>
+        <p:spPr/>
+        <p:txBody>
+          <a:bodyPr>
+            <a:normAutofit fontScale="92500" lnSpcReduction="10000"/>
+          </a:bodyPr>
+          <a:lstStyle/>
+          <a:p>
+            <a:r>
+              <a:rPr lang="en-US" dirty="0" smtClean="0"/>
+              <a:t>Business Analyst</a:t>
+            </a:r>
+          </a:p>
+          <a:p>
+            <a:r>
+              <a:rPr lang="en-US" dirty="0" smtClean="0"/>
+              <a:t>Developers</a:t>
+            </a:r>
+          </a:p>
+          <a:p>
+            <a:r>
+              <a:rPr lang="en-US" dirty="0" smtClean="0"/>
+              <a:t>Researchers</a:t>
+            </a:r>
+          </a:p>
+          <a:p>
+            <a:endParaRPr lang="en-US" dirty="0"/>
+          </a:p>
+          <a:p>
+            <a:r>
+              <a:rPr lang="en-US" dirty="0" smtClean="0"/>
+              <a:t>Tools :</a:t>
+            </a:r>
+          </a:p>
+          <a:p>
+            <a:r>
+              <a:rPr lang="en-US" dirty="0" err="1" smtClean="0"/>
+              <a:t>Hadoop</a:t>
+            </a:r>
+            <a:r>
+              <a:rPr lang="en-US" dirty="0" smtClean="0"/>
+              <a:t>,</a:t>
+            </a:r>
+          </a:p>
+          <a:p>
+            <a:r>
+              <a:rPr lang="en-US" dirty="0" smtClean="0"/>
+              <a:t>R</a:t>
+            </a:r>
+          </a:p>
+          <a:p>
+            <a:r>
+              <a:rPr lang="en-US" dirty="0" smtClean="0"/>
+              <a:t>Python</a:t>
+            </a:r>
+          </a:p>
+          <a:p>
+            <a:r>
+              <a:rPr lang="en-US" dirty="0" smtClean="0"/>
+              <a:t>Statistics</a:t>
+            </a:r>
+          </a:p>
+          <a:p>
+            <a:endParaRPr lang="en-US" dirty="0" smtClean="0"/>
+          </a:p>
+          <a:p>
+            <a:endParaRPr lang="en-US" dirty="0"/>
+          </a:p>
+        </p:txBody>
+      </p:sp>
+    </p:spTree>
+    <p:extLst>
+      <p:ext uri="{BB962C8B-B14F-4D97-AF65-F5344CB8AC3E}">
+        <p14:creationId xmlns:p14="http://schemas.microsoft.com/office/powerpoint/2010/main" val="2081492701"/>
+      </p:ext>
+    </p:extLst>
+  </p:cSld>
+  <p:clrMapOvr>
+    <a:masterClrMapping/>
+  </p:clrMapOvr>
+  <p:timing>
+    <p:tnLst>
+      <p:par>
+        <p:cTn id="1" dur="indefinite" restart="never" nodeType="tmRoot"/>
+      </p:par>
+    </p:tnLst>
+  </p:timing>
+</p:sld>
+</file>
+
+<file path=ppt/slides/slide16.xml><?xml version="1.0" encoding="utf-8"?>
+<p:sld xmlns:a="http://schemas.openxmlformats.org/drawingml/2006/main" xmlns:r="http://schemas.openxmlformats.org/officeDocument/2006/relationships" xmlns:p="http://schemas.openxmlformats.org/presentationml/2006/main">
+  <p:cSld>
+    <p:spTree>
+      <p:nvGrpSpPr>
+        <p:cNvPr id="1" name=""/>
+        <p:cNvGrpSpPr/>
+        <p:nvPr/>
+      </p:nvGrpSpPr>
+      <p:grpSpPr>
+        <a:xfrm>
+          <a:off x="0" y="0"/>
+          <a:ext cx="0" cy="0"/>
+          <a:chOff x="0" y="0"/>
+          <a:chExt cx="0" cy="0"/>
+        </a:xfrm>
+      </p:grpSpPr>
+      <p:sp>
+        <p:nvSpPr>
+          <p:cNvPr id="2" name="Title 1"/>
+          <p:cNvSpPr>
+            <a:spLocks noGrp="1"/>
+          </p:cNvSpPr>
+          <p:nvPr>
+            <p:ph type="title"/>
+          </p:nvPr>
+        </p:nvSpPr>
+        <p:spPr/>
+        <p:txBody>
+          <a:bodyPr>
+            <a:normAutofit fontScale="90000"/>
+          </a:bodyPr>
+          <a:lstStyle/>
+          <a:p>
+            <a:r>
+              <a:rPr lang="en-US" dirty="0" smtClean="0"/>
+              <a:t>Useful in</a:t>
+            </a:r>
+            <a:br>
+              <a:rPr lang="en-US" dirty="0" smtClean="0"/>
+            </a:br>
+            <a:endParaRPr lang="en-US" dirty="0"/>
+          </a:p>
+        </p:txBody>
+      </p:sp>
+      <p:sp>
+        <p:nvSpPr>
+          <p:cNvPr id="3" name="Content Placeholder 2"/>
+          <p:cNvSpPr>
+            <a:spLocks noGrp="1"/>
+          </p:cNvSpPr>
+          <p:nvPr>
+            <p:ph idx="1"/>
+          </p:nvPr>
+        </p:nvSpPr>
+        <p:spPr/>
+        <p:txBody>
+          <a:bodyPr/>
+          <a:lstStyle/>
+          <a:p>
+            <a:r>
+              <a:rPr lang="en-US" dirty="0" smtClean="0"/>
+              <a:t>Medicine Research</a:t>
+            </a:r>
+          </a:p>
+          <a:p>
+            <a:r>
+              <a:rPr lang="en-US" dirty="0" smtClean="0"/>
+              <a:t>Economics</a:t>
+            </a:r>
+          </a:p>
+          <a:p>
+            <a:r>
+              <a:rPr lang="en-US" dirty="0" smtClean="0"/>
+              <a:t>Business Modeling</a:t>
+            </a:r>
+          </a:p>
+          <a:p>
+            <a:r>
+              <a:rPr lang="en-US" dirty="0" smtClean="0"/>
+              <a:t>Science</a:t>
+            </a:r>
+            <a:endParaRPr lang="en-US" dirty="0"/>
+          </a:p>
+        </p:txBody>
+      </p:sp>
+    </p:spTree>
+    <p:extLst>
+      <p:ext uri="{BB962C8B-B14F-4D97-AF65-F5344CB8AC3E}">
+        <p14:creationId xmlns:p14="http://schemas.microsoft.com/office/powerpoint/2010/main" val="3964584390"/>
+      </p:ext>
+    </p:extLst>
+  </p:cSld>
+  <p:clrMapOvr>
+    <a:masterClrMapping/>
+  </p:clrMapOvr>
+  <p:timing>
+    <p:tnLst>
+      <p:par>
+        <p:cTn id="1" dur="indefinite" restart="never" nodeType="tmRoot"/>
+      </p:par>
+    </p:tnLst>
+  </p:timing>
+</p:sld>
+</file>
+
+<file path=ppt/slides/slide17.xml><?xml version="1.0" encoding="utf-8"?>
+<p:sld xmlns:a="http://schemas.openxmlformats.org/drawingml/2006/main" xmlns:r="http://schemas.openxmlformats.org/officeDocument/2006/relationships" xmlns:p="http://schemas.openxmlformats.org/presentationml/2006/main">
+  <p:cSld>
+    <p:spTree>
+      <p:nvGrpSpPr>
+        <p:cNvPr id="1" name=""/>
+        <p:cNvGrpSpPr/>
+        <p:nvPr/>
+      </p:nvGrpSpPr>
+      <p:grpSpPr>
+        <a:xfrm>
+          <a:off x="0" y="0"/>
+          <a:ext cx="0" cy="0"/>
+          <a:chOff x="0" y="0"/>
+          <a:chExt cx="0" cy="0"/>
+        </a:xfrm>
+      </p:grpSpPr>
+      <p:sp>
+        <p:nvSpPr>
+          <p:cNvPr id="2" name="Title 1"/>
+          <p:cNvSpPr>
+            <a:spLocks noGrp="1"/>
+          </p:cNvSpPr>
+          <p:nvPr>
+            <p:ph type="title"/>
+          </p:nvPr>
+        </p:nvSpPr>
+        <p:spPr/>
+        <p:txBody>
+          <a:bodyPr/>
+          <a:lstStyle/>
+          <a:p>
             <a:endParaRPr lang="en-US"/>
           </a:p>
         </p:txBody>
@@ -14265,6 +14730,220 @@
       </p:par>
     </p:tnLst>
   </p:timing>
+</p:sld>
+</file>
+
+<file path=ppt/slides/slide18.xml><?xml version="1.0" encoding="utf-8"?>
+<p:sld xmlns:a="http://schemas.openxmlformats.org/drawingml/2006/main" xmlns:r="http://schemas.openxmlformats.org/officeDocument/2006/relationships" xmlns:p="http://schemas.openxmlformats.org/presentationml/2006/main">
+  <p:cSld>
+    <p:spTree>
+      <p:nvGrpSpPr>
+        <p:cNvPr id="1" name=""/>
+        <p:cNvGrpSpPr/>
+        <p:nvPr/>
+      </p:nvGrpSpPr>
+      <p:grpSpPr>
+        <a:xfrm>
+          <a:off x="0" y="0"/>
+          <a:ext cx="0" cy="0"/>
+          <a:chOff x="0" y="0"/>
+          <a:chExt cx="0" cy="0"/>
+        </a:xfrm>
+      </p:grpSpPr>
+      <p:sp>
+        <p:nvSpPr>
+          <p:cNvPr id="2" name="Title 1"/>
+          <p:cNvSpPr>
+            <a:spLocks noGrp="1"/>
+          </p:cNvSpPr>
+          <p:nvPr>
+            <p:ph type="title"/>
+          </p:nvPr>
+        </p:nvSpPr>
+        <p:spPr/>
+        <p:txBody>
+          <a:bodyPr/>
+          <a:lstStyle/>
+          <a:p>
+            <a:r>
+              <a:rPr lang="en-US" dirty="0" smtClean="0"/>
+              <a:t>Jobs</a:t>
+            </a:r>
+            <a:endParaRPr lang="en-US" dirty="0"/>
+          </a:p>
+        </p:txBody>
+      </p:sp>
+      <p:sp>
+        <p:nvSpPr>
+          <p:cNvPr id="3" name="Content Placeholder 2"/>
+          <p:cNvSpPr>
+            <a:spLocks noGrp="1"/>
+          </p:cNvSpPr>
+          <p:nvPr>
+            <p:ph idx="1"/>
+          </p:nvPr>
+        </p:nvSpPr>
+        <p:spPr/>
+        <p:txBody>
+          <a:bodyPr/>
+          <a:lstStyle/>
+          <a:p>
+            <a:r>
+              <a:rPr lang="en-US" dirty="0" smtClean="0"/>
+              <a:t>Data Analyst</a:t>
+            </a:r>
+          </a:p>
+          <a:p>
+            <a:r>
+              <a:rPr lang="en-US" dirty="0" smtClean="0"/>
+              <a:t>Data Scientist</a:t>
+            </a:r>
+            <a:endParaRPr lang="en-US" dirty="0"/>
+          </a:p>
+        </p:txBody>
+      </p:sp>
+    </p:spTree>
+    <p:extLst>
+      <p:ext uri="{BB962C8B-B14F-4D97-AF65-F5344CB8AC3E}">
+        <p14:creationId xmlns:p14="http://schemas.microsoft.com/office/powerpoint/2010/main" val="3444707356"/>
+      </p:ext>
+    </p:extLst>
+  </p:cSld>
+  <p:clrMapOvr>
+    <a:masterClrMapping/>
+  </p:clrMapOvr>
+</p:sld>
+</file>
+
+<file path=ppt/slides/slide19.xml><?xml version="1.0" encoding="utf-8"?>
+<p:sld xmlns:a="http://schemas.openxmlformats.org/drawingml/2006/main" xmlns:r="http://schemas.openxmlformats.org/officeDocument/2006/relationships" xmlns:p="http://schemas.openxmlformats.org/presentationml/2006/main">
+  <p:cSld>
+    <p:spTree>
+      <p:nvGrpSpPr>
+        <p:cNvPr id="1" name=""/>
+        <p:cNvGrpSpPr/>
+        <p:nvPr/>
+      </p:nvGrpSpPr>
+      <p:grpSpPr>
+        <a:xfrm>
+          <a:off x="0" y="0"/>
+          <a:ext cx="0" cy="0"/>
+          <a:chOff x="0" y="0"/>
+          <a:chExt cx="0" cy="0"/>
+        </a:xfrm>
+      </p:grpSpPr>
+      <p:sp>
+        <p:nvSpPr>
+          <p:cNvPr id="2" name="Title 1"/>
+          <p:cNvSpPr>
+            <a:spLocks noGrp="1"/>
+          </p:cNvSpPr>
+          <p:nvPr>
+            <p:ph type="title"/>
+          </p:nvPr>
+        </p:nvSpPr>
+        <p:spPr/>
+        <p:txBody>
+          <a:bodyPr/>
+          <a:lstStyle/>
+          <a:p>
+            <a:endParaRPr lang="en-US"/>
+          </a:p>
+        </p:txBody>
+      </p:sp>
+      <p:sp>
+        <p:nvSpPr>
+          <p:cNvPr id="3" name="Content Placeholder 2"/>
+          <p:cNvSpPr>
+            <a:spLocks noGrp="1"/>
+          </p:cNvSpPr>
+          <p:nvPr>
+            <p:ph idx="1"/>
+          </p:nvPr>
+        </p:nvSpPr>
+        <p:spPr/>
+        <p:txBody>
+          <a:bodyPr/>
+          <a:lstStyle/>
+          <a:p>
+            <a:endParaRPr lang="en-US" dirty="0"/>
+          </a:p>
+        </p:txBody>
+      </p:sp>
+      <p:pic>
+        <p:nvPicPr>
+          <p:cNvPr id="1026" name="Picture 2"/>
+          <p:cNvPicPr>
+            <a:picLocks noChangeAspect="1" noChangeArrowheads="1"/>
+          </p:cNvPicPr>
+          <p:nvPr/>
+        </p:nvPicPr>
+        <p:blipFill>
+          <a:blip r:embed="rId2">
+            <a:extLst>
+              <a:ext uri="{28A0092B-C50C-407E-A947-70E740481C1C}">
+                <a14:useLocalDpi xmlns:a14="http://schemas.microsoft.com/office/drawing/2010/main" val="0"/>
+              </a:ext>
+            </a:extLst>
+          </a:blip>
+          <a:srcRect/>
+          <a:stretch>
+            <a:fillRect/>
+          </a:stretch>
+        </p:blipFill>
+        <p:spPr bwMode="auto">
+          <a:xfrm>
+            <a:off x="1" y="1066801"/>
+            <a:ext cx="8913330" cy="6019800"/>
+          </a:xfrm>
+          <a:prstGeom prst="rect">
+            <a:avLst/>
+          </a:prstGeom>
+          <a:noFill/>
+          <a:ln>
+            <a:noFill/>
+          </a:ln>
+          <a:effectLst/>
+          <a:extLst>
+            <a:ext uri="{909E8E84-426E-40DD-AFC4-6F175D3DCCD1}">
+              <a14:hiddenFill xmlns:a14="http://schemas.microsoft.com/office/drawing/2010/main">
+                <a:solidFill>
+                  <a:schemeClr val="accent1"/>
+                </a:solidFill>
+              </a14:hiddenFill>
+            </a:ext>
+            <a:ext uri="{91240B29-F687-4F45-9708-019B960494DF}">
+              <a14:hiddenLine xmlns:a14="http://schemas.microsoft.com/office/drawing/2010/main" w="9525">
+                <a:solidFill>
+                  <a:schemeClr val="tx1"/>
+                </a:solidFill>
+                <a:miter lim="800000"/>
+                <a:headEnd/>
+                <a:tailEnd/>
+              </a14:hiddenLine>
+            </a:ext>
+            <a:ext uri="{AF507438-7753-43E0-B8FC-AC1667EBCBE1}">
+              <a14:hiddenEffects xmlns:a14="http://schemas.microsoft.com/office/drawing/2010/main">
+                <a:effectLst>
+                  <a:outerShdw dist="35921" dir="2700000" algn="ctr" rotWithShape="0">
+                    <a:schemeClr val="bg2"/>
+                  </a:outerShdw>
+                </a:effectLst>
+              </a14:hiddenEffects>
+            </a:ext>
+          </a:extLst>
+        </p:spPr>
+      </p:pic>
+    </p:spTree>
+    <p:extLst>
+      <p:ext uri="{BB962C8B-B14F-4D97-AF65-F5344CB8AC3E}">
+        <p14:creationId xmlns:p14="http://schemas.microsoft.com/office/powerpoint/2010/main" val="3509550256"/>
+      </p:ext>
+    </p:extLst>
+  </p:cSld>
+  <p:clrMapOvr>
+    <a:masterClrMapping/>
+  </p:clrMapOvr>
 </p:sld>
 </file>
 
@@ -14402,6 +15081,154 @@
     <p:extLst>
       <p:ext uri="{BB962C8B-B14F-4D97-AF65-F5344CB8AC3E}">
         <p14:creationId xmlns:p14="http://schemas.microsoft.com/office/powerpoint/2010/main" val="3347971110"/>
+      </p:ext>
+    </p:extLst>
+  </p:cSld>
+  <p:clrMapOvr>
+    <a:masterClrMapping/>
+  </p:clrMapOvr>
+</p:sld>
+</file>
+
+<file path=ppt/slides/slide20.xml><?xml version="1.0" encoding="utf-8"?>
+<p:sld xmlns:a="http://schemas.openxmlformats.org/drawingml/2006/main" xmlns:r="http://schemas.openxmlformats.org/officeDocument/2006/relationships" xmlns:p="http://schemas.openxmlformats.org/presentationml/2006/main">
+  <p:cSld>
+    <p:spTree>
+      <p:nvGrpSpPr>
+        <p:cNvPr id="1" name=""/>
+        <p:cNvGrpSpPr/>
+        <p:nvPr/>
+      </p:nvGrpSpPr>
+      <p:grpSpPr>
+        <a:xfrm>
+          <a:off x="0" y="0"/>
+          <a:ext cx="0" cy="0"/>
+          <a:chOff x="0" y="0"/>
+          <a:chExt cx="0" cy="0"/>
+        </a:xfrm>
+      </p:grpSpPr>
+      <p:sp>
+        <p:nvSpPr>
+          <p:cNvPr id="2" name="Title 1"/>
+          <p:cNvSpPr>
+            <a:spLocks noGrp="1"/>
+          </p:cNvSpPr>
+          <p:nvPr>
+            <p:ph type="title"/>
+          </p:nvPr>
+        </p:nvSpPr>
+        <p:spPr/>
+        <p:txBody>
+          <a:bodyPr/>
+          <a:lstStyle/>
+          <a:p>
+            <a:r>
+              <a:rPr lang="en-US" dirty="0" err="1" smtClean="0"/>
+              <a:t>Mis</a:t>
+            </a:r>
+            <a:r>
+              <a:rPr lang="en-US"/>
+              <a:t>-</a:t>
+            </a:r>
+            <a:r>
+              <a:rPr lang="en-US" smtClean="0"/>
+              <a:t>Understanding </a:t>
+            </a:r>
+            <a:r>
+              <a:rPr lang="en-US" dirty="0" smtClean="0"/>
+              <a:t>Data</a:t>
+            </a:r>
+            <a:endParaRPr lang="en-US" dirty="0"/>
+          </a:p>
+        </p:txBody>
+      </p:sp>
+      <p:sp>
+        <p:nvSpPr>
+          <p:cNvPr id="3" name="Content Placeholder 2"/>
+          <p:cNvSpPr>
+            <a:spLocks noGrp="1"/>
+          </p:cNvSpPr>
+          <p:nvPr>
+            <p:ph idx="1"/>
+          </p:nvPr>
+        </p:nvSpPr>
+        <p:spPr/>
+        <p:txBody>
+          <a:bodyPr/>
+          <a:lstStyle/>
+          <a:p>
+            <a:endParaRPr lang="en-US" dirty="0"/>
+          </a:p>
+        </p:txBody>
+      </p:sp>
+      <p:pic>
+        <p:nvPicPr>
+          <p:cNvPr id="2050" name="Picture 2"/>
+          <p:cNvPicPr>
+            <a:picLocks noChangeAspect="1" noChangeArrowheads="1"/>
+          </p:cNvPicPr>
+          <p:nvPr/>
+        </p:nvPicPr>
+        <p:blipFill>
+          <a:blip r:embed="rId2">
+            <a:extLst>
+              <a:ext uri="{28A0092B-C50C-407E-A947-70E740481C1C}">
+                <a14:useLocalDpi xmlns:a14="http://schemas.microsoft.com/office/drawing/2010/main" val="0"/>
+              </a:ext>
+            </a:extLst>
+          </a:blip>
+          <a:srcRect/>
+          <a:stretch>
+            <a:fillRect/>
+          </a:stretch>
+        </p:blipFill>
+        <p:spPr bwMode="auto">
+          <a:xfrm>
+            <a:off x="1047750" y="2281238"/>
+            <a:ext cx="7048500" cy="2295525"/>
+          </a:xfrm>
+          <a:prstGeom prst="rect">
+            <a:avLst/>
+          </a:prstGeom>
+          <a:noFill/>
+          <a:ln>
+            <a:noFill/>
+          </a:ln>
+          <a:effectLst/>
+          <a:extLst>
+            <a:ext uri="{909E8E84-426E-40DD-AFC4-6F175D3DCCD1}">
+              <a14:hiddenFill xmlns:a14="http://schemas.microsoft.com/office/drawing/2010/main">
+                <a:solidFill>
+                  <a:schemeClr val="accent1"/>
+                </a:solidFill>
+              </a14:hiddenFill>
+            </a:ext>
+            <a:ext uri="{91240B29-F687-4F45-9708-019B960494DF}">
+              <a14:hiddenLine xmlns:a14="http://schemas.microsoft.com/office/drawing/2010/main" w="9525">
+                <a:solidFill>
+                  <a:schemeClr val="tx1"/>
+                </a:solidFill>
+                <a:miter lim="800000"/>
+                <a:headEnd/>
+                <a:tailEnd/>
+              </a14:hiddenLine>
+            </a:ext>
+            <a:ext uri="{AF507438-7753-43E0-B8FC-AC1667EBCBE1}">
+              <a14:hiddenEffects xmlns:a14="http://schemas.microsoft.com/office/drawing/2010/main">
+                <a:effectLst>
+                  <a:outerShdw dist="35921" dir="2700000" algn="ctr" rotWithShape="0">
+                    <a:schemeClr val="bg2"/>
+                  </a:outerShdw>
+                </a:effectLst>
+              </a14:hiddenEffects>
+            </a:ext>
+          </a:extLst>
+        </p:spPr>
+      </p:pic>
+    </p:spTree>
+    <p:extLst>
+      <p:ext uri="{BB962C8B-B14F-4D97-AF65-F5344CB8AC3E}">
+        <p14:creationId xmlns:p14="http://schemas.microsoft.com/office/powerpoint/2010/main" val="2779911280"/>
       </p:ext>
     </p:extLst>
   </p:cSld>
@@ -14506,7 +15333,6 @@
               <a:rPr lang="en-US" dirty="0"/>
               <a:t>.</a:t>
             </a:r>
-            <a:endParaRPr lang="en-US" dirty="0"/>
           </a:p>
         </p:txBody>
       </p:sp>
@@ -14802,83 +15628,45 @@
           <a:p>
             <a:r>
               <a:rPr lang="en-US" dirty="0" smtClean="0"/>
-              <a:t>Artificial Intelligence</a:t>
+              <a:t>Data</a:t>
             </a:r>
             <a:endParaRPr lang="en-US" dirty="0"/>
           </a:p>
         </p:txBody>
       </p:sp>
-      <p:sp>
-        <p:nvSpPr>
-          <p:cNvPr id="3" name="Content Placeholder 2"/>
-          <p:cNvSpPr>
-            <a:spLocks noGrp="1"/>
-          </p:cNvSpPr>
+      <p:pic>
+        <p:nvPicPr>
+          <p:cNvPr id="4" name="Content Placeholder 3"/>
+          <p:cNvPicPr>
+            <a:picLocks noGrp="1" noChangeAspect="1"/>
+          </p:cNvPicPr>
           <p:nvPr>
             <p:ph idx="1"/>
           </p:nvPr>
-        </p:nvSpPr>
-        <p:spPr/>
-        <p:txBody>
-          <a:bodyPr>
-            <a:normAutofit fontScale="92500"/>
-          </a:bodyPr>
-          <a:lstStyle/>
-          <a:p>
-            <a:r>
-              <a:rPr lang="en-US" b="1" dirty="0"/>
-              <a:t>Data science and machine learning</a:t>
-            </a:r>
-          </a:p>
-          <a:p>
-            <a:r>
-              <a:rPr lang="en-US" dirty="0"/>
-              <a:t>Machine learning is often incorporated in data science. Machine learning is an </a:t>
-            </a:r>
-            <a:r>
-              <a:rPr lang="en-US" u="sng" dirty="0">
-                <a:hlinkClick r:id="rId2"/>
-              </a:rPr>
-              <a:t>artificial intelligence</a:t>
-            </a:r>
-            <a:r>
-              <a:rPr lang="en-US" dirty="0"/>
-              <a:t> (AI) tool that </a:t>
-            </a:r>
-            <a:r>
-              <a:rPr lang="en-US" b="1" i="1" dirty="0">
-                <a:solidFill>
-                  <a:srgbClr val="7030A0"/>
-                </a:solidFill>
-              </a:rPr>
-              <a:t>essentially automates the data-processing </a:t>
-            </a:r>
-            <a:r>
-              <a:rPr lang="en-US" dirty="0"/>
-              <a:t>portion of data science. Machine learning integrates advanced algorithms </a:t>
-            </a:r>
-            <a:r>
-              <a:rPr lang="en-US" b="1" i="1" dirty="0">
-                <a:solidFill>
-                  <a:srgbClr val="7030A0"/>
-                </a:solidFill>
-              </a:rPr>
-              <a:t>that learn on their own </a:t>
-            </a:r>
-            <a:r>
-              <a:rPr lang="en-US" dirty="0"/>
-              <a:t>and can process massive amounts of data in a fraction of the time it would take a human.</a:t>
-            </a:r>
-          </a:p>
-          <a:p>
-            <a:endParaRPr lang="en-US" dirty="0"/>
-          </a:p>
-        </p:txBody>
-      </p:sp>
+        </p:nvPicPr>
+        <p:blipFill>
+          <a:blip r:embed="rId2">
+            <a:extLst>
+              <a:ext uri="{28A0092B-C50C-407E-A947-70E740481C1C}">
+                <a14:useLocalDpi xmlns:a14="http://schemas.microsoft.com/office/drawing/2010/main" val="0"/>
+              </a:ext>
+            </a:extLst>
+          </a:blip>
+          <a:stretch>
+            <a:fillRect/>
+          </a:stretch>
+        </p:blipFill>
+        <p:spPr>
+          <a:xfrm>
+            <a:off x="2579677" y="2324100"/>
+            <a:ext cx="3703658" cy="3508375"/>
+          </a:xfrm>
+        </p:spPr>
+      </p:pic>
     </p:spTree>
     <p:extLst>
       <p:ext uri="{BB962C8B-B14F-4D97-AF65-F5344CB8AC3E}">
-        <p14:creationId xmlns:p14="http://schemas.microsoft.com/office/powerpoint/2010/main" val="3636472141"/>
+        <p14:creationId xmlns:p14="http://schemas.microsoft.com/office/powerpoint/2010/main" val="1221944051"/>
       </p:ext>
     </p:extLst>
   </p:cSld>
@@ -14922,11 +15710,7 @@
           <a:p>
             <a:r>
               <a:rPr lang="en-US" dirty="0" smtClean="0"/>
-              <a:t>Apache </a:t>
-            </a:r>
-            <a:r>
-              <a:rPr lang="en-US" dirty="0" err="1" smtClean="0"/>
-              <a:t>Hadoop</a:t>
+              <a:t>Artificial Intelligence</a:t>
             </a:r>
             <a:endParaRPr lang="en-US" dirty="0"/>
           </a:p>
@@ -14945,70 +15729,53 @@
         <p:spPr/>
         <p:txBody>
           <a:bodyPr>
-            <a:normAutofit fontScale="85000" lnSpcReduction="20000"/>
+            <a:normAutofit fontScale="92500"/>
           </a:bodyPr>
           <a:lstStyle/>
           <a:p>
             <a:r>
-              <a:rPr lang="en-US" dirty="0" smtClean="0"/>
-              <a:t>software </a:t>
-            </a:r>
+              <a:rPr lang="en-US" b="1" dirty="0"/>
+              <a:t>Data science and machine learning</a:t>
+            </a:r>
+          </a:p>
+          <a:p>
             <a:r>
               <a:rPr lang="en-US" dirty="0"/>
-              <a:t>library is a </a:t>
-            </a:r>
-            <a:r>
-              <a:rPr lang="en-US" dirty="0" smtClean="0"/>
-              <a:t>framework</a:t>
-            </a:r>
-          </a:p>
-          <a:p>
-            <a:r>
-              <a:rPr lang="en-US" dirty="0" smtClean="0"/>
-              <a:t>distributed </a:t>
-            </a:r>
-            <a:r>
-              <a:rPr lang="en-US" dirty="0"/>
-              <a:t>processing of large data sets across clusters of computers using simple </a:t>
-            </a:r>
-            <a:r>
-              <a:rPr lang="en-US" dirty="0" smtClean="0"/>
-              <a:t>programming models.</a:t>
-            </a:r>
-          </a:p>
-          <a:p>
-            <a:endParaRPr lang="en-US" dirty="0"/>
-          </a:p>
-          <a:p>
-            <a:r>
-              <a:rPr lang="en-US" b="1" dirty="0">
+              <a:t>Machine learning is often incorporated in data science. Machine learning is an </a:t>
+            </a:r>
+            <a:r>
+              <a:rPr lang="en-US" u="sng" dirty="0">
                 <a:hlinkClick r:id="rId2"/>
               </a:rPr>
-              <a:t>Spark™</a:t>
+              <a:t>artificial intelligence</a:t>
             </a:r>
             <a:r>
               <a:rPr lang="en-US" dirty="0"/>
-              <a:t>: A fast and general compute engine for </a:t>
-            </a:r>
-            <a:r>
-              <a:rPr lang="en-US" dirty="0" err="1"/>
-              <a:t>Hadoop</a:t>
+              <a:t> (AI) tool that </a:t>
+            </a:r>
+            <a:r>
+              <a:rPr lang="en-US" b="1" i="1" dirty="0">
+                <a:solidFill>
+                  <a:srgbClr val="7030A0"/>
+                </a:solidFill>
+              </a:rPr>
+              <a:t>essentially automates the data-processing </a:t>
             </a:r>
             <a:r>
               <a:rPr lang="en-US" dirty="0"/>
-              <a:t> data. Spark provides a simple and expressive programming model that supports a wide range of applications, including ETL, machine learning, stream processing, and graph computation.</a:t>
-            </a:r>
-          </a:p>
-          <a:p>
-            <a:r>
-              <a:rPr lang="en-US" b="1" dirty="0">
-                <a:hlinkClick r:id="rId3"/>
+              <a:t>portion of data science. Machine learning integrates advanced algorithms </a:t>
+            </a:r>
+            <a:r>
+              <a:rPr lang="en-US" b="1" i="1" dirty="0">
+                <a:solidFill>
+                  <a:srgbClr val="7030A0"/>
+                </a:solidFill>
               </a:rPr>
-              <a:t>Mahout™</a:t>
+              <a:t>that learn on their own </a:t>
             </a:r>
             <a:r>
               <a:rPr lang="en-US" dirty="0"/>
-              <a:t>: A Scalable machine learning and data mining library.</a:t>
+              <a:t>and can process massive amounts of data in a fraction of the time it would take a human.</a:t>
             </a:r>
           </a:p>
           <a:p>
@@ -15019,7 +15786,7 @@
     </p:spTree>
     <p:extLst>
       <p:ext uri="{BB962C8B-B14F-4D97-AF65-F5344CB8AC3E}">
-        <p14:creationId xmlns:p14="http://schemas.microsoft.com/office/powerpoint/2010/main" val="2184629554"/>
+        <p14:creationId xmlns:p14="http://schemas.microsoft.com/office/powerpoint/2010/main" val="3636472141"/>
       </p:ext>
     </p:extLst>
   </p:cSld>
@@ -15062,10 +15829,9 @@
           <a:lstStyle/>
           <a:p>
             <a:r>
-              <a:rPr lang="en-US" dirty="0" smtClean="0"/>
-              <a:t>Big data</a:t>
-            </a:r>
-            <a:endParaRPr lang="en-US" dirty="0"/>
+              <a:rPr lang="en-US" dirty="0"/>
+              <a:t>Big Data Analytics</a:t>
+            </a:r>
           </a:p>
         </p:txBody>
       </p:sp>
@@ -15085,43 +15851,28 @@
           <a:lstStyle/>
           <a:p>
             <a:r>
+              <a:rPr lang="en-US" dirty="0"/>
+              <a:t>The process of converting large amounts of unstructured raw data, retrieved from different sources to a data product useful for organizations forms the core of Big Data Analytics</a:t>
+            </a:r>
+            <a:r>
               <a:rPr lang="en-US" dirty="0" smtClean="0"/>
-              <a:t>IBM – 3V</a:t>
-            </a:r>
+              <a:t>.</a:t>
+            </a:r>
+          </a:p>
+          <a:p>
+            <a:endParaRPr lang="en-US" dirty="0"/>
           </a:p>
           <a:p>
             <a:r>
               <a:rPr lang="en-US" dirty="0" smtClean="0"/>
-              <a:t>Volume ( size)</a:t>
+              <a:t>Structured data</a:t>
             </a:r>
           </a:p>
           <a:p>
             <a:r>
               <a:rPr lang="en-US" dirty="0" smtClean="0"/>
-              <a:t>Velocity ( speed)</a:t>
-            </a:r>
-          </a:p>
-          <a:p>
-            <a:r>
-              <a:rPr lang="en-US" dirty="0" smtClean="0"/>
-              <a:t>Variety ( diversity, many types )</a:t>
-            </a:r>
-          </a:p>
-          <a:p>
-            <a:r>
-              <a:rPr lang="en-US" dirty="0" smtClean="0"/>
-              <a:t>-- Veracity (</a:t>
-            </a:r>
-            <a:r>
-              <a:rPr lang="en-US" dirty="0"/>
-              <a:t>accuracy</a:t>
-            </a:r>
-            <a:r>
-              <a:rPr lang="en-US" dirty="0" smtClean="0"/>
-              <a:t>.)</a:t>
-            </a:r>
-          </a:p>
-          <a:p>
+              <a:t>Unstructured data</a:t>
+            </a:r>
             <a:endParaRPr lang="en-US" dirty="0"/>
           </a:p>
         </p:txBody>
@@ -15129,20 +15880,13 @@
     </p:spTree>
     <p:extLst>
       <p:ext uri="{BB962C8B-B14F-4D97-AF65-F5344CB8AC3E}">
-        <p14:creationId xmlns:p14="http://schemas.microsoft.com/office/powerpoint/2010/main" val="1584041399"/>
+        <p14:creationId xmlns:p14="http://schemas.microsoft.com/office/powerpoint/2010/main" val="960080126"/>
       </p:ext>
     </p:extLst>
   </p:cSld>
   <p:clrMapOvr>
     <a:masterClrMapping/>
   </p:clrMapOvr>
-  <p:timing>
-    <p:tnLst>
-      <p:par>
-        <p:cTn id="1" dur="indefinite" restart="never" nodeType="tmRoot"/>
-      </p:par>
-    </p:tnLst>
-  </p:timing>
 </p:sld>
 </file>
 
@@ -15178,10 +15922,6 @@
           <a:bodyPr/>
           <a:lstStyle/>
           <a:p>
-            <a:r>
-              <a:rPr lang="en-US" dirty="0" smtClean="0"/>
-              <a:t>Big Data Challenge</a:t>
-            </a:r>
             <a:endParaRPr lang="en-US" dirty="0"/>
           </a:p>
         </p:txBody>
@@ -15202,33 +15942,80 @@
           <a:lstStyle/>
           <a:p>
             <a:r>
+              <a:rPr lang="en-US" dirty="0"/>
+              <a:t>The </a:t>
+            </a:r>
+            <a:r>
+              <a:rPr lang="en-US" b="1" dirty="0"/>
+              <a:t>CRISP-DM methodology</a:t>
+            </a:r>
+            <a:r>
+              <a:rPr lang="en-US" dirty="0"/>
+              <a:t> that stands for Cross Industry Standard Process for Data </a:t>
+            </a:r>
+            <a:r>
               <a:rPr lang="en-US" dirty="0" smtClean="0"/>
-              <a:t>Data Acquisition</a:t>
-            </a:r>
-          </a:p>
-          <a:p>
+              <a:t>Mining</a:t>
+            </a:r>
+          </a:p>
+          <a:p>
+            <a:r>
+              <a:rPr lang="en-US" dirty="0"/>
+              <a:t>SEMMA </a:t>
+            </a:r>
             <a:r>
               <a:rPr lang="en-US" dirty="0" smtClean="0"/>
-              <a:t>High Volume</a:t>
-            </a:r>
-          </a:p>
-          <a:p>
+              <a:t>Methodology (</a:t>
+            </a:r>
+            <a:r>
+              <a:rPr lang="en-US" b="1" dirty="0"/>
+              <a:t>S</a:t>
+            </a:r>
+            <a:r>
+              <a:rPr lang="en-US" dirty="0"/>
+              <a:t>ample, </a:t>
+            </a:r>
+            <a:r>
+              <a:rPr lang="en-US" b="1" dirty="0"/>
+              <a:t>E</a:t>
+            </a:r>
+            <a:r>
+              <a:rPr lang="en-US" dirty="0"/>
+              <a:t>xplore, </a:t>
+            </a:r>
+            <a:r>
+              <a:rPr lang="en-US" b="1" dirty="0"/>
+              <a:t>M</a:t>
+            </a:r>
+            <a:r>
+              <a:rPr lang="en-US" dirty="0"/>
+              <a:t>odify, </a:t>
+            </a:r>
+            <a:r>
+              <a:rPr lang="en-US" b="1" dirty="0"/>
+              <a:t>M</a:t>
+            </a:r>
+            <a:r>
+              <a:rPr lang="en-US" dirty="0"/>
+              <a:t>odel, and </a:t>
+            </a:r>
+            <a:r>
+              <a:rPr lang="en-US" b="1" dirty="0"/>
+              <a:t>A</a:t>
+            </a:r>
+            <a:r>
+              <a:rPr lang="en-US" dirty="0"/>
+              <a:t>sses</a:t>
+            </a:r>
             <a:r>
               <a:rPr lang="en-US" dirty="0" smtClean="0"/>
-              <a:t>High Velocity</a:t>
-            </a:r>
-          </a:p>
-          <a:p>
-            <a:r>
-              <a:rPr lang="en-US" dirty="0" smtClean="0"/>
-              <a:t>Security</a:t>
-            </a:r>
-          </a:p>
-          <a:p>
-            <a:r>
-              <a:rPr lang="en-US" dirty="0" smtClean="0"/>
-              <a:t>Analytics</a:t>
-            </a:r>
+              <a:t>.)</a:t>
+            </a:r>
+          </a:p>
+          <a:p>
+            <a:endParaRPr lang="en-US" dirty="0"/>
+          </a:p>
+          <a:p>
             <a:endParaRPr lang="en-US" dirty="0"/>
           </a:p>
         </p:txBody>
@@ -15236,20 +16023,13 @@
     </p:spTree>
     <p:extLst>
       <p:ext uri="{BB962C8B-B14F-4D97-AF65-F5344CB8AC3E}">
-        <p14:creationId xmlns:p14="http://schemas.microsoft.com/office/powerpoint/2010/main" val="508388638"/>
+        <p14:creationId xmlns:p14="http://schemas.microsoft.com/office/powerpoint/2010/main" val="3026761310"/>
       </p:ext>
     </p:extLst>
   </p:cSld>
   <p:clrMapOvr>
     <a:masterClrMapping/>
   </p:clrMapOvr>
-  <p:timing>
-    <p:tnLst>
-      <p:par>
-        <p:cTn id="1" dur="indefinite" restart="never" nodeType="tmRoot"/>
-      </p:par>
-    </p:tnLst>
-  </p:timing>
 </p:sld>
 </file>
 
